--- a/Slides/05. Construção do Tradutor.pptx
+++ b/Slides/05. Construção do Tradutor.pptx
@@ -144,14 +144,6 @@
 </p:presentation>
 </file>
 
-<file path=ppt/revisionInfo.xml><?xml version="1.0" encoding="utf-8"?>
-<p1510:revInfo xmlns:a="http://schemas.openxmlformats.org/drawingml/2006/main" xmlns:r="http://schemas.openxmlformats.org/officeDocument/2006/relationships" xmlns:p1510="http://schemas.microsoft.com/office/powerpoint/2015/10/main">
-  <p1510:revLst>
-    <p1510:client id="{554B7EC7-343C-45A6-A69A-18EC864929AA}" v="2" dt="2019-10-07T16:53:48.196"/>
-  </p1510:revLst>
-</p1510:revInfo>
-</file>
-
 <file path=ppt/changesInfos/changesInfo1.xml><?xml version="1.0" encoding="utf-8"?>
 <pc:chgInfo xmlns:a="http://schemas.openxmlformats.org/drawingml/2006/main" xmlns:r="http://schemas.openxmlformats.org/officeDocument/2006/relationships" xmlns:ac="http://schemas.microsoft.com/office/drawing/2013/main/command" xmlns:pc="http://schemas.microsoft.com/office/powerpoint/2013/main/command">
   <pc:docChgLst>
@@ -194,7 +186,218 @@
     </pc:docChg>
   </pc:docChgLst>
   <pc:docChgLst>
-    <pc:chgData name="Judson Santiago" userId="ebb108da2f256286" providerId="LiveId" clId="{286429C5-4FF7-4E11-AF51-AB3E0EB771BA}"/>
+    <pc:chgData name="Judson Santiago" userId="ebb108da2f256286" providerId="LiveId" clId="{46F71572-3DA2-4D00-AA8D-69427A907524}"/>
+    <pc:docChg chg="custSel modSld modMainMaster">
+      <pc:chgData name="Judson Santiago" userId="ebb108da2f256286" providerId="LiveId" clId="{46F71572-3DA2-4D00-AA8D-69427A907524}" dt="2020-12-02T04:11:23.005" v="909" actId="20577"/>
+      <pc:docMkLst>
+        <pc:docMk/>
+      </pc:docMkLst>
+      <pc:sldChg chg="modNotesTx">
+        <pc:chgData name="Judson Santiago" userId="ebb108da2f256286" providerId="LiveId" clId="{46F71572-3DA2-4D00-AA8D-69427A907524}" dt="2020-12-02T04:08:33.237" v="466" actId="20577"/>
+        <pc:sldMkLst>
+          <pc:docMk/>
+          <pc:sldMk cId="2808920126" sldId="265"/>
+        </pc:sldMkLst>
+      </pc:sldChg>
+      <pc:sldChg chg="modNotesTx">
+        <pc:chgData name="Judson Santiago" userId="ebb108da2f256286" providerId="LiveId" clId="{46F71572-3DA2-4D00-AA8D-69427A907524}" dt="2020-12-02T04:11:23.005" v="909" actId="20577"/>
+        <pc:sldMkLst>
+          <pc:docMk/>
+          <pc:sldMk cId="1951711801" sldId="286"/>
+        </pc:sldMkLst>
+      </pc:sldChg>
+      <pc:sldChg chg="modSp mod">
+        <pc:chgData name="Judson Santiago" userId="ebb108da2f256286" providerId="LiveId" clId="{46F71572-3DA2-4D00-AA8D-69427A907524}" dt="2020-12-01T04:04:32.426" v="44" actId="1076"/>
+        <pc:sldMkLst>
+          <pc:docMk/>
+          <pc:sldMk cId="3545222437" sldId="308"/>
+        </pc:sldMkLst>
+        <pc:spChg chg="mod">
+          <ac:chgData name="Judson Santiago" userId="ebb108da2f256286" providerId="LiveId" clId="{46F71572-3DA2-4D00-AA8D-69427A907524}" dt="2020-12-01T04:04:13.250" v="42" actId="20577"/>
+          <ac:spMkLst>
+            <pc:docMk/>
+            <pc:sldMk cId="3545222437" sldId="308"/>
+            <ac:spMk id="3" creationId="{0B308E9A-341A-48A3-BF1A-BE3892F6BD73}"/>
+          </ac:spMkLst>
+        </pc:spChg>
+        <pc:spChg chg="mod">
+          <ac:chgData name="Judson Santiago" userId="ebb108da2f256286" providerId="LiveId" clId="{46F71572-3DA2-4D00-AA8D-69427A907524}" dt="2020-12-01T04:04:32.426" v="44" actId="1076"/>
+          <ac:spMkLst>
+            <pc:docMk/>
+            <pc:sldMk cId="3545222437" sldId="308"/>
+            <ac:spMk id="6" creationId="{1C7130DF-EAB9-46BC-A1C5-9D46866F11B9}"/>
+          </ac:spMkLst>
+        </pc:spChg>
+      </pc:sldChg>
+      <pc:sldChg chg="modSp mod">
+        <pc:chgData name="Judson Santiago" userId="ebb108da2f256286" providerId="LiveId" clId="{46F71572-3DA2-4D00-AA8D-69427A907524}" dt="2020-12-01T04:05:45.017" v="51" actId="1076"/>
+        <pc:sldMkLst>
+          <pc:docMk/>
+          <pc:sldMk cId="1145972585" sldId="309"/>
+        </pc:sldMkLst>
+        <pc:spChg chg="mod">
+          <ac:chgData name="Judson Santiago" userId="ebb108da2f256286" providerId="LiveId" clId="{46F71572-3DA2-4D00-AA8D-69427A907524}" dt="2020-12-01T04:05:38.113" v="50" actId="20577"/>
+          <ac:spMkLst>
+            <pc:docMk/>
+            <pc:sldMk cId="1145972585" sldId="309"/>
+            <ac:spMk id="3" creationId="{32313948-78E3-4C6A-B6B4-72C4F513C6B1}"/>
+          </ac:spMkLst>
+        </pc:spChg>
+        <pc:spChg chg="mod">
+          <ac:chgData name="Judson Santiago" userId="ebb108da2f256286" providerId="LiveId" clId="{46F71572-3DA2-4D00-AA8D-69427A907524}" dt="2020-12-01T04:05:45.017" v="51" actId="1076"/>
+          <ac:spMkLst>
+            <pc:docMk/>
+            <pc:sldMk cId="1145972585" sldId="309"/>
+            <ac:spMk id="7" creationId="{1D511FA2-BF7D-4A7C-B84C-92C02957C704}"/>
+          </ac:spMkLst>
+        </pc:spChg>
+      </pc:sldChg>
+      <pc:sldChg chg="modSp mod">
+        <pc:chgData name="Judson Santiago" userId="ebb108da2f256286" providerId="LiveId" clId="{46F71572-3DA2-4D00-AA8D-69427A907524}" dt="2020-12-01T04:06:08.922" v="52" actId="20577"/>
+        <pc:sldMkLst>
+          <pc:docMk/>
+          <pc:sldMk cId="507351443" sldId="310"/>
+        </pc:sldMkLst>
+        <pc:spChg chg="mod">
+          <ac:chgData name="Judson Santiago" userId="ebb108da2f256286" providerId="LiveId" clId="{46F71572-3DA2-4D00-AA8D-69427A907524}" dt="2020-12-01T04:06:08.922" v="52" actId="20577"/>
+          <ac:spMkLst>
+            <pc:docMk/>
+            <pc:sldMk cId="507351443" sldId="310"/>
+            <ac:spMk id="3" creationId="{90C45C7C-00C2-4852-8D32-18F1589AC3D8}"/>
+          </ac:spMkLst>
+        </pc:spChg>
+      </pc:sldChg>
+      <pc:sldChg chg="modSp mod">
+        <pc:chgData name="Judson Santiago" userId="ebb108da2f256286" providerId="LiveId" clId="{46F71572-3DA2-4D00-AA8D-69427A907524}" dt="2020-12-01T04:07:01.597" v="53" actId="1076"/>
+        <pc:sldMkLst>
+          <pc:docMk/>
+          <pc:sldMk cId="3084318346" sldId="311"/>
+        </pc:sldMkLst>
+        <pc:spChg chg="mod">
+          <ac:chgData name="Judson Santiago" userId="ebb108da2f256286" providerId="LiveId" clId="{46F71572-3DA2-4D00-AA8D-69427A907524}" dt="2020-12-01T04:07:01.597" v="53" actId="1076"/>
+          <ac:spMkLst>
+            <pc:docMk/>
+            <pc:sldMk cId="3084318346" sldId="311"/>
+            <ac:spMk id="82" creationId="{15F71AF0-599D-40EA-906C-4D33FF109AC8}"/>
+          </ac:spMkLst>
+        </pc:spChg>
+      </pc:sldChg>
+      <pc:sldChg chg="addSp delSp modSp mod">
+        <pc:chgData name="Judson Santiago" userId="ebb108da2f256286" providerId="LiveId" clId="{46F71572-3DA2-4D00-AA8D-69427A907524}" dt="2020-12-01T03:35:50.879" v="28" actId="207"/>
+        <pc:sldMkLst>
+          <pc:docMk/>
+          <pc:sldMk cId="2109239216" sldId="312"/>
+        </pc:sldMkLst>
+        <pc:spChg chg="del">
+          <ac:chgData name="Judson Santiago" userId="ebb108da2f256286" providerId="LiveId" clId="{46F71572-3DA2-4D00-AA8D-69427A907524}" dt="2020-12-01T03:34:41.707" v="20" actId="478"/>
+          <ac:spMkLst>
+            <pc:docMk/>
+            <pc:sldMk cId="2109239216" sldId="312"/>
+            <ac:spMk id="3" creationId="{705CBFFA-1B87-4979-BAFC-B479825A0E6B}"/>
+          </ac:spMkLst>
+        </pc:spChg>
+        <pc:spChg chg="mod">
+          <ac:chgData name="Judson Santiago" userId="ebb108da2f256286" providerId="LiveId" clId="{46F71572-3DA2-4D00-AA8D-69427A907524}" dt="2020-12-01T03:35:50.879" v="28" actId="207"/>
+          <ac:spMkLst>
+            <pc:docMk/>
+            <pc:sldMk cId="2109239216" sldId="312"/>
+            <ac:spMk id="4" creationId="{85D1EBC2-FD10-4C7E-A9A7-4F6DA13F3A5C}"/>
+          </ac:spMkLst>
+        </pc:spChg>
+        <pc:spChg chg="add del mod">
+          <ac:chgData name="Judson Santiago" userId="ebb108da2f256286" providerId="LiveId" clId="{46F71572-3DA2-4D00-AA8D-69427A907524}" dt="2020-12-01T03:34:44.859" v="21" actId="478"/>
+          <ac:spMkLst>
+            <pc:docMk/>
+            <pc:sldMk cId="2109239216" sldId="312"/>
+            <ac:spMk id="10" creationId="{FA62E74C-C615-485F-B9C8-F6C74B538A1D}"/>
+          </ac:spMkLst>
+        </pc:spChg>
+      </pc:sldChg>
+      <pc:sldChg chg="modSp mod">
+        <pc:chgData name="Judson Santiago" userId="ebb108da2f256286" providerId="LiveId" clId="{46F71572-3DA2-4D00-AA8D-69427A907524}" dt="2020-12-01T04:08:10.409" v="55" actId="6549"/>
+        <pc:sldMkLst>
+          <pc:docMk/>
+          <pc:sldMk cId="1429629681" sldId="313"/>
+        </pc:sldMkLst>
+        <pc:spChg chg="mod">
+          <ac:chgData name="Judson Santiago" userId="ebb108da2f256286" providerId="LiveId" clId="{46F71572-3DA2-4D00-AA8D-69427A907524}" dt="2020-12-01T04:08:10.409" v="55" actId="6549"/>
+          <ac:spMkLst>
+            <pc:docMk/>
+            <pc:sldMk cId="1429629681" sldId="313"/>
+            <ac:spMk id="3" creationId="{2B8762F1-4300-449F-9C37-A7E3F10174E6}"/>
+          </ac:spMkLst>
+        </pc:spChg>
+      </pc:sldChg>
+      <pc:sldChg chg="modSp mod">
+        <pc:chgData name="Judson Santiago" userId="ebb108da2f256286" providerId="LiveId" clId="{46F71572-3DA2-4D00-AA8D-69427A907524}" dt="2020-12-01T04:09:29.552" v="90" actId="20577"/>
+        <pc:sldMkLst>
+          <pc:docMk/>
+          <pc:sldMk cId="529521320" sldId="314"/>
+        </pc:sldMkLst>
+        <pc:spChg chg="mod">
+          <ac:chgData name="Judson Santiago" userId="ebb108da2f256286" providerId="LiveId" clId="{46F71572-3DA2-4D00-AA8D-69427A907524}" dt="2020-12-01T04:09:29.552" v="90" actId="20577"/>
+          <ac:spMkLst>
+            <pc:docMk/>
+            <pc:sldMk cId="529521320" sldId="314"/>
+            <ac:spMk id="3" creationId="{2B8762F1-4300-449F-9C37-A7E3F10174E6}"/>
+          </ac:spMkLst>
+        </pc:spChg>
+      </pc:sldChg>
+      <pc:sldChg chg="modSp mod">
+        <pc:chgData name="Judson Santiago" userId="ebb108da2f256286" providerId="LiveId" clId="{46F71572-3DA2-4D00-AA8D-69427A907524}" dt="2020-12-01T04:03:30.896" v="35" actId="27636"/>
+        <pc:sldMkLst>
+          <pc:docMk/>
+          <pc:sldMk cId="1813277121" sldId="315"/>
+        </pc:sldMkLst>
+        <pc:spChg chg="mod">
+          <ac:chgData name="Judson Santiago" userId="ebb108da2f256286" providerId="LiveId" clId="{46F71572-3DA2-4D00-AA8D-69427A907524}" dt="2020-12-01T04:03:30.896" v="35" actId="27636"/>
+          <ac:spMkLst>
+            <pc:docMk/>
+            <pc:sldMk cId="1813277121" sldId="315"/>
+            <ac:spMk id="3" creationId="{35428BA3-121D-4657-AC5F-69B4980F96F0}"/>
+          </ac:spMkLst>
+        </pc:spChg>
+      </pc:sldChg>
+      <pc:sldMasterChg chg="addSp delSp modSp mod">
+        <pc:chgData name="Judson Santiago" userId="ebb108da2f256286" providerId="LiveId" clId="{46F71572-3DA2-4D00-AA8D-69427A907524}" dt="2020-12-01T04:09:57.456" v="91" actId="478"/>
+        <pc:sldMasterMkLst>
+          <pc:docMk/>
+          <pc:sldMasterMk cId="1403059996" sldId="2147483648"/>
+        </pc:sldMasterMkLst>
+        <pc:picChg chg="add del mod modCrop">
+          <ac:chgData name="Judson Santiago" userId="ebb108da2f256286" providerId="LiveId" clId="{46F71572-3DA2-4D00-AA8D-69427A907524}" dt="2020-12-01T04:09:57.456" v="91" actId="478"/>
+          <ac:picMkLst>
+            <pc:docMk/>
+            <pc:sldMasterMk cId="1403059996" sldId="2147483648"/>
+            <ac:picMk id="7" creationId="{4E502AEF-AFD4-4674-B05B-7C550282D64C}"/>
+          </ac:picMkLst>
+        </pc:picChg>
+      </pc:sldMasterChg>
+    </pc:docChg>
+  </pc:docChgLst>
+  <pc:docChgLst>
+    <pc:chgData name="Judson Santiago" userId="ebb108da2f256286" providerId="LiveId" clId="{4AA4807A-DD8E-4D9E-8349-4AD75692F9A4}"/>
+    <pc:docChg chg="modSld">
+      <pc:chgData name="Judson Santiago" userId="ebb108da2f256286" providerId="LiveId" clId="{4AA4807A-DD8E-4D9E-8349-4AD75692F9A4}" dt="2021-03-10T17:50:10.826" v="7" actId="20577"/>
+      <pc:docMkLst>
+        <pc:docMk/>
+      </pc:docMkLst>
+      <pc:sldChg chg="modSp mod modNotesTx">
+        <pc:chgData name="Judson Santiago" userId="ebb108da2f256286" providerId="LiveId" clId="{4AA4807A-DD8E-4D9E-8349-4AD75692F9A4}" dt="2021-03-10T17:50:10.826" v="7" actId="20577"/>
+        <pc:sldMkLst>
+          <pc:docMk/>
+          <pc:sldMk cId="2109239216" sldId="312"/>
+        </pc:sldMkLst>
+        <pc:spChg chg="mod">
+          <ac:chgData name="Judson Santiago" userId="ebb108da2f256286" providerId="LiveId" clId="{4AA4807A-DD8E-4D9E-8349-4AD75692F9A4}" dt="2021-03-10T17:49:58.509" v="4" actId="20577"/>
+          <ac:spMkLst>
+            <pc:docMk/>
+            <pc:sldMk cId="2109239216" sldId="312"/>
+            <ac:spMk id="4" creationId="{85D1EBC2-FD10-4C7E-A9A7-4F6DA13F3A5C}"/>
+          </ac:spMkLst>
+        </pc:spChg>
+      </pc:sldChg>
+    </pc:docChg>
   </pc:docChgLst>
   <pc:docChgLst>
     <pc:chgData name="Judson Santiago" userId="ebb108da2f256286" providerId="LiveId" clId="{C911A0BF-43F7-4CA2-80E7-A1233E0AFCB6}"/>
@@ -438,12 +641,6 @@
       </pc:sldChg>
     </pc:docChg>
   </pc:docChgLst>
-  <pc:docChgLst>
-    <pc:chgData name="Judson Santiago" userId="ebb108da2f256286" providerId="LiveId" clId="{1D874BF8-B264-4918-8240-9199A0EE02E7}"/>
-  </pc:docChgLst>
-  <pc:docChgLst>
-    <pc:chgData name="Judson Santiago" userId="ebb108da2f256286" providerId="LiveId" clId="{E52D8EAC-B49B-4800-A176-C3BCA07B65DB}"/>
-  </pc:docChgLst>
 </pc:chgInfo>
 </file>
 
@@ -531,7 +728,7 @@
             <a:pPr rtl="0"/>
             <a:fld id="{6BFEDBB9-17B2-4B3E-927F-6A2C95FBF9DC}" type="datetime1">
               <a:rPr lang="pt-BR" smtClean="0"/>
-              <a:t>07/10/2019</a:t>
+              <a:t>10/03/2021</a:t>
             </a:fld>
             <a:endParaRPr lang="pt-BR" dirty="0"/>
           </a:p>
@@ -701,7 +898,7 @@
             <a:pPr rtl="0"/>
             <a:fld id="{7CFDB409-DC9D-40CF-939D-973CAB3BAB25}" type="datetime1">
               <a:rPr lang="pt-BR" noProof="0" smtClean="0"/>
-              <a:t>07/10/2019</a:t>
+              <a:t>10/03/2021</a:t>
             </a:fld>
             <a:endParaRPr lang="pt-BR" noProof="0" dirty="0"/>
           </a:p>
@@ -1016,7 +1213,10 @@
           <a:bodyPr/>
           <a:lstStyle/>
           <a:p>
-            <a:endParaRPr lang="pt-BR" dirty="0"/>
+            <a:r>
+              <a:rPr lang="pt-BR" dirty="0"/>
+              <a:t>Nesta aula vamos ver como juntar tudo o que vimos nas últimas aulas para construir um tradutor. Ou seja, vamos implementar um esquema de tradução dirigido por sintaxe através de um analisador sintático preditivo para obter um tradutor de expressões aritméticas em formato infixado para expressões em formato pós-fixado.</a:t>
+            </a:r>
           </a:p>
         </p:txBody>
       </p:sp>
@@ -1199,7 +1399,7 @@
             </a:r>
             <a:r>
               <a:rPr lang="pt-BR" dirty="0"/>
-              <a:t> precisa ser salvo em t porque match muda o </a:t>
+              <a:t> precisa ser salvo em t porque match( ) muda o </a:t>
             </a:r>
             <a:r>
               <a:rPr lang="pt-BR" i="1" dirty="0" err="1"/>
@@ -1497,7 +1697,10 @@
           <a:bodyPr/>
           <a:lstStyle/>
           <a:p>
-            <a:endParaRPr lang="pt-BR" dirty="0"/>
+            <a:r>
+              <a:rPr lang="pt-BR" dirty="0"/>
+              <a:t>No estado atual, nosso tradutor não é capaz de processar espaços, comentários, saltos de linha ou ter números formados por mais de um dígito. Na próxima aula vamos remediar todas essas restrições criando um analisador léxico para o nosso tradutor.</a:t>
+            </a:r>
           </a:p>
         </p:txBody>
       </p:sp>
@@ -2034,7 +2237,7 @@
             <a:pPr rtl="0"/>
             <a:fld id="{7386073F-07CC-4F54-983C-A08F76E2B22C}" type="datetime1">
               <a:rPr lang="pt-BR" noProof="0" smtClean="0"/>
-              <a:t>07/10/2019</a:t>
+              <a:t>10/03/2021</a:t>
             </a:fld>
             <a:endParaRPr lang="pt-BR" noProof="0" dirty="0"/>
           </a:p>
@@ -2258,7 +2461,7 @@
             <a:pPr rtl="0"/>
             <a:fld id="{A09B9D17-E8D2-48F1-BB8E-8435624068C9}" type="datetime1">
               <a:rPr lang="pt-BR" noProof="0" smtClean="0"/>
-              <a:t>07/10/2019</a:t>
+              <a:t>10/03/2021</a:t>
             </a:fld>
             <a:endParaRPr lang="pt-BR" noProof="0" dirty="0"/>
           </a:p>
@@ -2546,7 +2749,7 @@
             <a:pPr rtl="0"/>
             <a:fld id="{3CC651F5-80DD-4CFE-BBBA-2C23591EF509}" type="datetime1">
               <a:rPr lang="pt-BR" noProof="0" smtClean="0"/>
-              <a:t>07/10/2019</a:t>
+              <a:t>10/03/2021</a:t>
             </a:fld>
             <a:endParaRPr lang="pt-BR" noProof="0" dirty="0"/>
           </a:p>
@@ -2876,7 +3079,7 @@
             <a:pPr rtl="0"/>
             <a:fld id="{E20F3F8A-A3F9-49EF-8A63-4F3E8648871C}" type="datetime1">
               <a:rPr lang="pt-BR" noProof="0" smtClean="0"/>
-              <a:t>07/10/2019</a:t>
+              <a:t>10/03/2021</a:t>
             </a:fld>
             <a:endParaRPr lang="pt-BR" noProof="0" dirty="0"/>
           </a:p>
@@ -3358,7 +3561,7 @@
             <a:pPr rtl="0"/>
             <a:fld id="{DEB5B092-D646-433C-8E29-1081397BD56B}" type="datetime1">
               <a:rPr lang="pt-BR" noProof="0" smtClean="0"/>
-              <a:t>07/10/2019</a:t>
+              <a:t>10/03/2021</a:t>
             </a:fld>
             <a:endParaRPr lang="pt-BR" noProof="0" dirty="0"/>
           </a:p>
@@ -3486,7 +3689,7 @@
             <a:pPr rtl="0"/>
             <a:fld id="{BB4CE6DC-A634-42A5-81DE-6C671B621413}" type="datetime1">
               <a:rPr lang="pt-BR" noProof="0" smtClean="0"/>
-              <a:t>07/10/2019</a:t>
+              <a:t>10/03/2021</a:t>
             </a:fld>
             <a:endParaRPr lang="pt-BR" noProof="0" dirty="0"/>
           </a:p>
@@ -3806,7 +4009,7 @@
             <a:pPr rtl="0"/>
             <a:fld id="{D2212A4E-660E-4296-8499-89CF1C51321A}" type="datetime1">
               <a:rPr lang="pt-BR" noProof="0" smtClean="0"/>
-              <a:t>07/10/2019</a:t>
+              <a:t>10/03/2021</a:t>
             </a:fld>
             <a:endParaRPr lang="pt-BR" noProof="0" dirty="0"/>
           </a:p>
@@ -4144,7 +4347,7 @@
             <a:pPr rtl="0"/>
             <a:fld id="{B1912D32-F3CE-450A-AE4E-30B99005B8FD}" type="datetime1">
               <a:rPr lang="pt-BR" noProof="0" smtClean="0"/>
-              <a:t>07/10/2019</a:t>
+              <a:t>10/03/2021</a:t>
             </a:fld>
             <a:endParaRPr lang="pt-BR" noProof="0" dirty="0"/>
           </a:p>
@@ -4342,7 +4545,7 @@
             <a:pPr rtl="0"/>
             <a:fld id="{7B7F50BC-2F98-4AAD-BE27-6A84E4E8AC1C}" type="datetime1">
               <a:rPr lang="pt-BR" noProof="0" smtClean="0"/>
-              <a:t>07/10/2019</a:t>
+              <a:t>10/03/2021</a:t>
             </a:fld>
             <a:endParaRPr lang="pt-BR" noProof="0" dirty="0"/>
           </a:p>
@@ -4593,7 +4796,7 @@
             <a:pPr rtl="0"/>
             <a:fld id="{BFCDB3FC-E508-4872-9DA3-DD0C1E84DD1A}" type="datetime1">
               <a:rPr lang="pt-BR" noProof="0" smtClean="0"/>
-              <a:t>07/10/2019</a:t>
+              <a:t>10/03/2021</a:t>
             </a:fld>
             <a:endParaRPr lang="pt-BR" noProof="0" dirty="0"/>
           </a:p>
@@ -5427,6 +5630,9 @@
               <a:rPr lang="pt-BR" dirty="0"/>
               <a:t> pode ser construído a partir de um </a:t>
             </a:r>
+            <a:br>
+              <a:rPr lang="pt-BR" dirty="0"/>
+            </a:br>
             <a:r>
               <a:rPr lang="pt-BR" dirty="0">
                 <a:solidFill>
@@ -5642,7 +5848,14 @@
             </a:r>
             <a:r>
               <a:rPr lang="pt-BR" dirty="0"/>
-              <a:t> serve como a especificação de um tradutor</a:t>
+              <a:t> serve </a:t>
+            </a:r>
+            <a:br>
+              <a:rPr lang="pt-BR" dirty="0"/>
+            </a:br>
+            <a:r>
+              <a:rPr lang="pt-BR" dirty="0"/>
+              <a:t>como a especificação de um tradutor</a:t>
             </a:r>
           </a:p>
           <a:p>
@@ -6179,7 +6392,7 @@
         </p:nvSpPr>
         <p:spPr>
           <a:xfrm>
-            <a:off x="6310436" y="3254063"/>
+            <a:off x="6310436" y="3576935"/>
             <a:ext cx="3209118" cy="923330"/>
           </a:xfrm>
           <a:prstGeom prst="rect">
@@ -6307,10 +6520,22 @@
               </a:rPr>
               <a:t>eliminação da recursão à esquerda </a:t>
             </a:r>
+            <a:br>
+              <a:rPr lang="pt-BR" dirty="0">
+                <a:solidFill>
+                  <a:schemeClr val="accent1">
+                    <a:lumMod val="75000"/>
+                  </a:schemeClr>
+                </a:solidFill>
+              </a:rPr>
+            </a:br>
             <a:r>
               <a:rPr lang="pt-BR" dirty="0"/>
               <a:t>pode ser aplicada em produções contendo </a:t>
             </a:r>
+            <a:br>
+              <a:rPr lang="pt-BR" dirty="0"/>
+            </a:br>
             <a:r>
               <a:rPr lang="pt-BR" dirty="0">
                 <a:solidFill>
@@ -7478,7 +7703,7 @@
         </p:nvSpPr>
         <p:spPr>
           <a:xfrm>
-            <a:off x="1417193" y="3289900"/>
+            <a:off x="1422925" y="3766100"/>
             <a:ext cx="4100803" cy="2062103"/>
           </a:xfrm>
           <a:prstGeom prst="rect">
@@ -8428,7 +8653,14 @@
             </a:r>
             <a:r>
               <a:rPr lang="pt-BR" dirty="0"/>
-              <a:t>são simplesmente copiadas ao longo da transformação, </a:t>
+              <a:t>são simplesmente copiadas ao </a:t>
+            </a:r>
+            <a:br>
+              <a:rPr lang="pt-BR" dirty="0"/>
+            </a:br>
+            <a:r>
+              <a:rPr lang="pt-BR" dirty="0"/>
+              <a:t>longo da transformação, </a:t>
             </a:r>
             <a:r>
               <a:rPr lang="pt-BR" dirty="0">
@@ -11802,7 +12034,7 @@
         </p:nvSpPr>
         <p:spPr>
           <a:xfrm>
-            <a:off x="7872758" y="2566774"/>
+            <a:off x="7891003" y="2701928"/>
             <a:ext cx="3692036" cy="2062103"/>
           </a:xfrm>
           <a:prstGeom prst="rect">
@@ -12308,58 +12540,6 @@
       </p:sp>
       <p:sp>
         <p:nvSpPr>
-          <p:cNvPr id="3" name="Espaço Reservado para Conteúdo 2">
-            <a:extLst>
-              <a:ext uri="{FF2B5EF4-FFF2-40B4-BE49-F238E27FC236}">
-                <a16:creationId xmlns:a16="http://schemas.microsoft.com/office/drawing/2014/main" id="{705CBFFA-1B87-4979-BAFC-B479825A0E6B}"/>
-              </a:ext>
-            </a:extLst>
-          </p:cNvPr>
-          <p:cNvSpPr>
-            <a:spLocks noGrp="1"/>
-          </p:cNvSpPr>
-          <p:nvPr>
-            <p:ph idx="1"/>
-          </p:nvPr>
-        </p:nvSpPr>
-        <p:spPr/>
-        <p:txBody>
-          <a:bodyPr/>
-          <a:lstStyle/>
-          <a:p>
-            <a:r>
-              <a:rPr lang="pt-BR" dirty="0"/>
-              <a:t>As funções </a:t>
-            </a:r>
-            <a:r>
-              <a:rPr lang="pt-BR" dirty="0">
-                <a:solidFill>
-                  <a:schemeClr val="accent1">
-                    <a:lumMod val="75000"/>
-                  </a:schemeClr>
-                </a:solidFill>
-              </a:rPr>
-              <a:t>implementam</a:t>
-            </a:r>
-            <a:r>
-              <a:rPr lang="pt-BR" dirty="0"/>
-              <a:t> o esquema de </a:t>
-            </a:r>
-            <a:r>
-              <a:rPr lang="pt-BR" dirty="0">
-                <a:solidFill>
-                  <a:schemeClr val="accent1">
-                    <a:lumMod val="75000"/>
-                  </a:schemeClr>
-                </a:solidFill>
-              </a:rPr>
-              <a:t>tradução</a:t>
-            </a:r>
-          </a:p>
-        </p:txBody>
-      </p:sp>
-      <p:sp>
-        <p:nvSpPr>
           <p:cNvPr id="4" name="CaixaDeTexto 3">
             <a:extLst>
               <a:ext uri="{FF2B5EF4-FFF2-40B4-BE49-F238E27FC236}">
@@ -12372,8 +12552,8 @@
         </p:nvSpPr>
         <p:spPr>
           <a:xfrm>
-            <a:off x="1236564" y="2626511"/>
-            <a:ext cx="5253361" cy="3539430"/>
+            <a:off x="1125860" y="1848927"/>
+            <a:ext cx="4517583" cy="4154984"/>
           </a:xfrm>
           <a:prstGeom prst="rect">
             <a:avLst/>
@@ -12387,7 +12567,7 @@
           <a:lstStyle/>
           <a:p>
             <a:r>
-              <a:rPr lang="pt-BR" sz="1400" noProof="1">
+              <a:rPr lang="pt-BR" sz="1200" noProof="1">
                 <a:solidFill>
                   <a:schemeClr val="bg2">
                     <a:lumMod val="50000"/>
@@ -12399,7 +12579,7 @@
               <a:t>void</a:t>
             </a:r>
             <a:r>
-              <a:rPr lang="pt-BR" sz="1400" noProof="1">
+              <a:rPr lang="pt-BR" sz="1200" noProof="1">
                 <a:latin typeface="Consolas" panose="020B0609020204030204" pitchFamily="49" charset="0"/>
               </a:rPr>
               <a:t> expr() </a:t>
@@ -12407,12 +12587,34 @@
           </a:p>
           <a:p>
             <a:r>
-              <a:rPr lang="pt-BR" sz="1400" noProof="1">
-                <a:latin typeface="Consolas" panose="020B0609020204030204" pitchFamily="49" charset="0"/>
-              </a:rPr>
-              <a:t>{   term(); oper(); }</a:t>
-            </a:r>
-            <a:endParaRPr lang="pt-BR" sz="1400" noProof="1">
+              <a:rPr lang="pt-BR" sz="1200" noProof="1">
+                <a:latin typeface="Consolas" panose="020B0609020204030204" pitchFamily="49" charset="0"/>
+              </a:rPr>
+              <a:t>{   </a:t>
+            </a:r>
+            <a:br>
+              <a:rPr lang="pt-BR" sz="1200" noProof="1">
+                <a:latin typeface="Consolas" panose="020B0609020204030204" pitchFamily="49" charset="0"/>
+              </a:rPr>
+            </a:br>
+            <a:r>
+              <a:rPr lang="pt-BR" sz="1200" noProof="1">
+                <a:latin typeface="Consolas" panose="020B0609020204030204" pitchFamily="49" charset="0"/>
+              </a:rPr>
+              <a:t>    term(); oper(); </a:t>
+            </a:r>
+            <a:br>
+              <a:rPr lang="pt-BR" sz="1200" noProof="1">
+                <a:latin typeface="Consolas" panose="020B0609020204030204" pitchFamily="49" charset="0"/>
+              </a:rPr>
+            </a:br>
+            <a:r>
+              <a:rPr lang="pt-BR" sz="1200" noProof="1">
+                <a:latin typeface="Consolas" panose="020B0609020204030204" pitchFamily="49" charset="0"/>
+              </a:rPr>
+              <a:t>}</a:t>
+            </a:r>
+            <a:endParaRPr lang="pt-BR" sz="1200" noProof="1">
               <a:solidFill>
                 <a:schemeClr val="bg2">
                   <a:lumMod val="50000"/>
@@ -12423,7 +12625,7 @@
             </a:endParaRPr>
           </a:p>
           <a:p>
-            <a:endParaRPr lang="pt-BR" sz="1400" noProof="1">
+            <a:endParaRPr lang="pt-BR" sz="1200" noProof="1">
               <a:solidFill>
                 <a:schemeClr val="bg2">
                   <a:lumMod val="50000"/>
@@ -12435,7 +12637,7 @@
           </a:p>
           <a:p>
             <a:r>
-              <a:rPr lang="pt-BR" sz="1400" noProof="1">
+              <a:rPr lang="pt-BR" sz="1200" noProof="1">
                 <a:solidFill>
                   <a:schemeClr val="bg2">
                     <a:lumMod val="50000"/>
@@ -12447,7 +12649,7 @@
               <a:t>void</a:t>
             </a:r>
             <a:r>
-              <a:rPr lang="pt-BR" sz="1400" noProof="1">
+              <a:rPr lang="pt-BR" sz="1200" noProof="1">
                 <a:latin typeface="Consolas" panose="020B0609020204030204" pitchFamily="49" charset="0"/>
               </a:rPr>
               <a:t> oper()</a:t>
@@ -12455,13 +12657,24 @@
           </a:p>
           <a:p>
             <a:r>
-              <a:rPr lang="pt-BR" sz="1400" noProof="1">
+              <a:rPr lang="pt-BR" sz="1200" noProof="1">
                 <a:latin typeface="Consolas" panose="020B0609020204030204" pitchFamily="49" charset="0"/>
               </a:rPr>
               <a:t>{   </a:t>
             </a:r>
-            <a:r>
-              <a:rPr lang="pt-BR" sz="1400" noProof="1">
+            <a:br>
+              <a:rPr lang="pt-BR" sz="1200" noProof="1">
+                <a:latin typeface="Consolas" panose="020B0609020204030204" pitchFamily="49" charset="0"/>
+              </a:rPr>
+            </a:br>
+            <a:r>
+              <a:rPr lang="pt-BR" sz="1200" noProof="1">
+                <a:latin typeface="Consolas" panose="020B0609020204030204" pitchFamily="49" charset="0"/>
+              </a:rPr>
+              <a:t>    </a:t>
+            </a:r>
+            <a:r>
+              <a:rPr lang="pt-BR" sz="1200" noProof="1">
                 <a:solidFill>
                   <a:schemeClr val="bg2">
                     <a:lumMod val="50000"/>
@@ -12473,13 +12686,30 @@
               <a:t>if </a:t>
             </a:r>
             <a:r>
-              <a:rPr lang="pt-BR" sz="1400" noProof="1">
-                <a:latin typeface="Consolas" panose="020B0609020204030204" pitchFamily="49" charset="0"/>
-              </a:rPr>
-              <a:t>(lookahead == </a:t>
-            </a:r>
-            <a:r>
-              <a:rPr lang="pt-BR" sz="1400" noProof="1">
+              <a:rPr lang="pt-BR" sz="1200" noProof="1">
+                <a:latin typeface="Consolas" panose="020B0609020204030204" pitchFamily="49" charset="0"/>
+              </a:rPr>
+              <a:t>(</a:t>
+            </a:r>
+            <a:r>
+              <a:rPr lang="pt-BR" sz="1200" noProof="1">
+                <a:solidFill>
+                  <a:schemeClr val="tx1">
+                    <a:lumMod val="75000"/>
+                  </a:schemeClr>
+                </a:solidFill>
+                <a:latin typeface="Consolas" panose="020B0609020204030204" pitchFamily="49" charset="0"/>
+              </a:rPr>
+              <a:t>lookahead</a:t>
+            </a:r>
+            <a:r>
+              <a:rPr lang="pt-BR" sz="1200" noProof="1">
+                <a:latin typeface="Consolas" panose="020B0609020204030204" pitchFamily="49" charset="0"/>
+              </a:rPr>
+              <a:t> == </a:t>
+            </a:r>
+            <a:r>
+              <a:rPr lang="pt-BR" sz="1200" noProof="1">
                 <a:solidFill>
                   <a:srgbClr val="FF7575"/>
                 </a:solidFill>
@@ -12488,7 +12718,7 @@
               <a:t>'+'</a:t>
             </a:r>
             <a:r>
-              <a:rPr lang="pt-BR" sz="1400" noProof="1">
+              <a:rPr lang="pt-BR" sz="1200" noProof="1">
                 <a:latin typeface="Consolas" panose="020B0609020204030204" pitchFamily="49" charset="0"/>
               </a:rPr>
               <a:t>)    </a:t>
@@ -12496,13 +12726,13 @@
           </a:p>
           <a:p>
             <a:r>
-              <a:rPr lang="pt-BR" sz="1400" noProof="1">
+              <a:rPr lang="pt-BR" sz="1200" noProof="1">
                 <a:latin typeface="Consolas" panose="020B0609020204030204" pitchFamily="49" charset="0"/>
               </a:rPr>
               <a:t>    {  match(</a:t>
             </a:r>
             <a:r>
-              <a:rPr lang="pt-BR" sz="1400" noProof="1">
+              <a:rPr lang="pt-BR" sz="1200" noProof="1">
                 <a:solidFill>
                   <a:srgbClr val="FF7575"/>
                 </a:solidFill>
@@ -12511,13 +12741,13 @@
               <a:t>'+'</a:t>
             </a:r>
             <a:r>
-              <a:rPr lang="pt-BR" sz="1400" noProof="1">
+              <a:rPr lang="pt-BR" sz="1200" noProof="1">
                 <a:latin typeface="Consolas" panose="020B0609020204030204" pitchFamily="49" charset="0"/>
               </a:rPr>
               <a:t>); term(); print(</a:t>
             </a:r>
             <a:r>
-              <a:rPr lang="pt-BR" sz="1400" noProof="1">
+              <a:rPr lang="pt-BR" sz="1200" noProof="1">
                 <a:solidFill>
                   <a:srgbClr val="FF7575"/>
                 </a:solidFill>
@@ -12526,7 +12756,7 @@
               <a:t>'+'</a:t>
             </a:r>
             <a:r>
-              <a:rPr lang="pt-BR" sz="1400" noProof="1">
+              <a:rPr lang="pt-BR" sz="1200" noProof="1">
                 <a:latin typeface="Consolas" panose="020B0609020204030204" pitchFamily="49" charset="0"/>
               </a:rPr>
               <a:t>); oper(); } </a:t>
@@ -12534,7 +12764,7 @@
           </a:p>
           <a:p>
             <a:r>
-              <a:rPr lang="pt-BR" sz="1400" noProof="1">
+              <a:rPr lang="pt-BR" sz="1200" noProof="1">
                 <a:solidFill>
                   <a:schemeClr val="bg2">
                     <a:lumMod val="50000"/>
@@ -12546,13 +12776,30 @@
               <a:t>    else if </a:t>
             </a:r>
             <a:r>
-              <a:rPr lang="pt-BR" sz="1400" noProof="1">
-                <a:latin typeface="Consolas" panose="020B0609020204030204" pitchFamily="49" charset="0"/>
-              </a:rPr>
-              <a:t>(lookahead == </a:t>
-            </a:r>
-            <a:r>
-              <a:rPr lang="pt-BR" sz="1400" noProof="1">
+              <a:rPr lang="pt-BR" sz="1200" noProof="1">
+                <a:latin typeface="Consolas" panose="020B0609020204030204" pitchFamily="49" charset="0"/>
+              </a:rPr>
+              <a:t>(</a:t>
+            </a:r>
+            <a:r>
+              <a:rPr lang="pt-BR" sz="1200" noProof="1">
+                <a:solidFill>
+                  <a:schemeClr val="tx1">
+                    <a:lumMod val="75000"/>
+                  </a:schemeClr>
+                </a:solidFill>
+                <a:latin typeface="Consolas" panose="020B0609020204030204" pitchFamily="49" charset="0"/>
+              </a:rPr>
+              <a:t>lookahead</a:t>
+            </a:r>
+            <a:r>
+              <a:rPr lang="pt-BR" sz="1200" noProof="1">
+                <a:latin typeface="Consolas" panose="020B0609020204030204" pitchFamily="49" charset="0"/>
+              </a:rPr>
+              <a:t> == </a:t>
+            </a:r>
+            <a:r>
+              <a:rPr lang="pt-BR" sz="1200" noProof="1">
                 <a:solidFill>
                   <a:srgbClr val="FF7575"/>
                 </a:solidFill>
@@ -12561,7 +12808,7 @@
               <a:t>'-'</a:t>
             </a:r>
             <a:r>
-              <a:rPr lang="pt-BR" sz="1400" noProof="1">
+              <a:rPr lang="pt-BR" sz="1200" noProof="1">
                 <a:latin typeface="Consolas" panose="020B0609020204030204" pitchFamily="49" charset="0"/>
               </a:rPr>
               <a:t>) </a:t>
@@ -12569,13 +12816,13 @@
           </a:p>
           <a:p>
             <a:r>
-              <a:rPr lang="pt-BR" sz="1400" noProof="1">
+              <a:rPr lang="pt-BR" sz="1200" noProof="1">
                 <a:latin typeface="Consolas" panose="020B0609020204030204" pitchFamily="49" charset="0"/>
               </a:rPr>
               <a:t>    {  match(</a:t>
             </a:r>
             <a:r>
-              <a:rPr lang="pt-BR" sz="1400" noProof="1">
+              <a:rPr lang="pt-BR" sz="1200" noProof="1">
                 <a:solidFill>
                   <a:srgbClr val="FF7575"/>
                 </a:solidFill>
@@ -12584,13 +12831,13 @@
               <a:t>'-'</a:t>
             </a:r>
             <a:r>
-              <a:rPr lang="pt-BR" sz="1400" noProof="1">
+              <a:rPr lang="pt-BR" sz="1200" noProof="1">
                 <a:latin typeface="Consolas" panose="020B0609020204030204" pitchFamily="49" charset="0"/>
               </a:rPr>
               <a:t>); term(); print(</a:t>
             </a:r>
             <a:r>
-              <a:rPr lang="pt-BR" sz="1400" noProof="1">
+              <a:rPr lang="pt-BR" sz="1200" noProof="1">
                 <a:solidFill>
                   <a:srgbClr val="FF7575"/>
                 </a:solidFill>
@@ -12599,7 +12846,7 @@
               <a:t>'-'</a:t>
             </a:r>
             <a:r>
-              <a:rPr lang="pt-BR" sz="1400" noProof="1">
+              <a:rPr lang="pt-BR" sz="1200" noProof="1">
                 <a:latin typeface="Consolas" panose="020B0609020204030204" pitchFamily="49" charset="0"/>
               </a:rPr>
               <a:t>); oper(); } </a:t>
@@ -12607,7 +12854,7 @@
           </a:p>
           <a:p>
             <a:r>
-              <a:rPr lang="pt-BR" sz="1400" noProof="1">
+              <a:rPr lang="pt-BR" sz="1200" noProof="1">
                 <a:solidFill>
                   <a:schemeClr val="bg2">
                     <a:lumMod val="50000"/>
@@ -12619,7 +12866,7 @@
               <a:t>    else</a:t>
             </a:r>
             <a:r>
-              <a:rPr lang="pt-BR" sz="1400" noProof="1">
+              <a:rPr lang="pt-BR" sz="1200" noProof="1">
                 <a:latin typeface="Consolas" panose="020B0609020204030204" pitchFamily="49" charset="0"/>
               </a:rPr>
               <a:t> </a:t>
@@ -12627,13 +12874,13 @@
           </a:p>
           <a:p>
             <a:r>
-              <a:rPr lang="pt-BR" sz="1400" noProof="1">
+              <a:rPr lang="pt-BR" sz="1200" noProof="1">
                 <a:latin typeface="Consolas" panose="020B0609020204030204" pitchFamily="49" charset="0"/>
               </a:rPr>
               <a:t>    { }  </a:t>
             </a:r>
             <a:r>
-              <a:rPr lang="pt-BR" sz="1400" noProof="1">
+              <a:rPr lang="pt-BR" sz="1200" noProof="1">
                 <a:solidFill>
                   <a:schemeClr val="bg1">
                     <a:lumMod val="50000"/>
@@ -12644,21 +12891,32 @@
               </a:rPr>
               <a:t>// não faz nada com a entrada </a:t>
             </a:r>
-            <a:r>
-              <a:rPr lang="pt-BR" sz="1400" noProof="1">
+            <a:br>
+              <a:rPr lang="pt-BR" sz="1200" noProof="1">
+                <a:solidFill>
+                  <a:schemeClr val="bg1">
+                    <a:lumMod val="50000"/>
+                    <a:lumOff val="50000"/>
+                  </a:schemeClr>
+                </a:solidFill>
+                <a:latin typeface="Consolas" panose="020B0609020204030204" pitchFamily="49" charset="0"/>
+              </a:rPr>
+            </a:br>
+            <a:r>
+              <a:rPr lang="pt-BR" sz="1200" noProof="1">
                 <a:latin typeface="Consolas" panose="020B0609020204030204" pitchFamily="49" charset="0"/>
               </a:rPr>
               <a:t>}</a:t>
             </a:r>
           </a:p>
           <a:p>
-            <a:endParaRPr lang="pt-BR" sz="1400" noProof="1">
+            <a:endParaRPr lang="pt-BR" sz="1200" noProof="1">
               <a:latin typeface="Consolas" panose="020B0609020204030204" pitchFamily="49" charset="0"/>
             </a:endParaRPr>
           </a:p>
           <a:p>
             <a:r>
-              <a:rPr lang="pt-BR" sz="1400" noProof="1">
+              <a:rPr lang="pt-BR" sz="1200" noProof="1">
                 <a:solidFill>
                   <a:schemeClr val="bg2">
                     <a:lumMod val="50000"/>
@@ -12670,7 +12928,7 @@
               <a:t>void</a:t>
             </a:r>
             <a:r>
-              <a:rPr lang="pt-BR" sz="1400" noProof="1">
+              <a:rPr lang="pt-BR" sz="1200" noProof="1">
                 <a:latin typeface="Consolas" panose="020B0609020204030204" pitchFamily="49" charset="0"/>
               </a:rPr>
               <a:t> term()</a:t>
@@ -12678,13 +12936,15 @@
           </a:p>
           <a:p>
             <a:r>
-              <a:rPr lang="pt-BR" sz="1400" noProof="1">
+              <a:rPr lang="pt-BR" sz="1200" noProof="1">
                 <a:latin typeface="Consolas" panose="020B0609020204030204" pitchFamily="49" charset="0"/>
               </a:rPr>
               <a:t>{   </a:t>
             </a:r>
-            <a:r>
-              <a:rPr lang="pt-BR" sz="1400" noProof="1">
+          </a:p>
+          <a:p>
+            <a:r>
+              <a:rPr lang="pt-BR" sz="1200" noProof="1">
                 <a:solidFill>
                   <a:schemeClr val="bg2">
                     <a:lumMod val="50000"/>
@@ -12693,32 +12953,83 @@
                 </a:solidFill>
                 <a:latin typeface="Consolas" panose="020B0609020204030204" pitchFamily="49" charset="0"/>
               </a:rPr>
-              <a:t>if</a:t>
-            </a:r>
-            <a:r>
-              <a:rPr lang="pt-BR" sz="1400" noProof="1">
-                <a:latin typeface="Consolas" panose="020B0609020204030204" pitchFamily="49" charset="0"/>
-              </a:rPr>
-              <a:t> (lookahead é um dígito)</a:t>
-            </a:r>
-          </a:p>
-          <a:p>
-            <a:r>
-              <a:rPr lang="pt-BR" sz="1400" noProof="1">
-                <a:latin typeface="Consolas" panose="020B0609020204030204" pitchFamily="49" charset="0"/>
-              </a:rPr>
-              <a:t>    {  t = lookahead; match(lookahead); print(t); }</a:t>
-            </a:r>
-          </a:p>
-          <a:p>
-            <a:r>
-              <a:rPr lang="pt-BR" sz="1400" noProof="1">
+              <a:t>    if</a:t>
+            </a:r>
+            <a:r>
+              <a:rPr lang="pt-BR" sz="1200" noProof="1">
+                <a:latin typeface="Consolas" panose="020B0609020204030204" pitchFamily="49" charset="0"/>
+              </a:rPr>
+              <a:t> (</a:t>
+            </a:r>
+            <a:r>
+              <a:rPr lang="pt-BR" sz="1200" noProof="1">
+                <a:solidFill>
+                  <a:schemeClr val="tx1">
+                    <a:lumMod val="75000"/>
+                  </a:schemeClr>
+                </a:solidFill>
+                <a:latin typeface="Consolas" panose="020B0609020204030204" pitchFamily="49" charset="0"/>
+              </a:rPr>
+              <a:t>lookahead</a:t>
+            </a:r>
+            <a:r>
+              <a:rPr lang="pt-BR" sz="1200" noProof="1">
+                <a:latin typeface="Consolas" panose="020B0609020204030204" pitchFamily="49" charset="0"/>
+              </a:rPr>
+              <a:t> é um dígito)</a:t>
+            </a:r>
+          </a:p>
+          <a:p>
+            <a:r>
+              <a:rPr lang="pt-BR" sz="1200" noProof="1">
+                <a:latin typeface="Consolas" panose="020B0609020204030204" pitchFamily="49" charset="0"/>
+              </a:rPr>
+              <a:t>    {  t = </a:t>
+            </a:r>
+            <a:r>
+              <a:rPr lang="pt-BR" sz="1200" noProof="1">
+                <a:solidFill>
+                  <a:schemeClr val="tx1">
+                    <a:lumMod val="75000"/>
+                  </a:schemeClr>
+                </a:solidFill>
+                <a:latin typeface="Consolas" panose="020B0609020204030204" pitchFamily="49" charset="0"/>
+              </a:rPr>
+              <a:t>lookahead</a:t>
+            </a:r>
+            <a:r>
+              <a:rPr lang="pt-BR" sz="1200" noProof="1">
+                <a:latin typeface="Consolas" panose="020B0609020204030204" pitchFamily="49" charset="0"/>
+              </a:rPr>
+              <a:t>; match(</a:t>
+            </a:r>
+            <a:r>
+              <a:rPr lang="pt-BR" sz="1200" noProof="1">
+                <a:solidFill>
+                  <a:schemeClr val="tx1">
+                    <a:lumMod val="75000"/>
+                  </a:schemeClr>
+                </a:solidFill>
+                <a:latin typeface="Consolas" panose="020B0609020204030204" pitchFamily="49" charset="0"/>
+              </a:rPr>
+              <a:t>lookahead</a:t>
+            </a:r>
+            <a:r>
+              <a:rPr lang="pt-BR" sz="1200" noProof="1">
+                <a:latin typeface="Consolas" panose="020B0609020204030204" pitchFamily="49" charset="0"/>
+              </a:rPr>
+              <a:t>); print(t); }</a:t>
+            </a:r>
+          </a:p>
+          <a:p>
+            <a:r>
+              <a:rPr lang="pt-BR" sz="1200" noProof="1">
                 <a:latin typeface="Consolas" panose="020B0609020204030204" pitchFamily="49" charset="0"/>
               </a:rPr>
               <a:t>    </a:t>
             </a:r>
             <a:r>
-              <a:rPr lang="pt-BR" sz="1400" noProof="1">
+              <a:rPr lang="pt-BR" sz="1200" noProof="1">
                 <a:solidFill>
                   <a:schemeClr val="bg2">
                     <a:lumMod val="50000"/>
@@ -12730,7 +13041,7 @@
               <a:t>else</a:t>
             </a:r>
             <a:r>
-              <a:rPr lang="pt-BR" sz="1400" noProof="1">
+              <a:rPr lang="pt-BR" sz="1200" noProof="1">
                 <a:latin typeface="Consolas" panose="020B0609020204030204" pitchFamily="49" charset="0"/>
               </a:rPr>
               <a:t> </a:t>
@@ -12738,13 +13049,13 @@
           </a:p>
           <a:p>
             <a:r>
-              <a:rPr lang="pt-BR" sz="1400" noProof="1">
-                <a:latin typeface="Consolas" panose="020B0609020204030204" pitchFamily="49" charset="0"/>
-              </a:rPr>
-              <a:t>    {  report(</a:t>
-            </a:r>
-            <a:r>
-              <a:rPr lang="pt-BR" sz="1400" noProof="1">
+              <a:rPr lang="pt-BR" sz="1200" noProof="1">
+                <a:latin typeface="Consolas" panose="020B0609020204030204" pitchFamily="49" charset="0"/>
+              </a:rPr>
+              <a:t>    {  print(</a:t>
+            </a:r>
+            <a:r>
+              <a:rPr lang="pt-BR" sz="1200" noProof="1">
                 <a:solidFill>
                   <a:srgbClr val="FF7575"/>
                 </a:solidFill>
@@ -12753,10 +13064,21 @@
               <a:t>"syntax error"</a:t>
             </a:r>
             <a:r>
-              <a:rPr lang="pt-BR" sz="1400" noProof="1">
-                <a:latin typeface="Consolas" panose="020B0609020204030204" pitchFamily="49" charset="0"/>
-              </a:rPr>
-              <a:t>); } }</a:t>
+              <a:rPr lang="pt-BR" sz="1200" noProof="1">
+                <a:latin typeface="Consolas" panose="020B0609020204030204" pitchFamily="49" charset="0"/>
+              </a:rPr>
+              <a:t>); } </a:t>
+            </a:r>
+            <a:br>
+              <a:rPr lang="pt-BR" sz="1200" noProof="1">
+                <a:latin typeface="Consolas" panose="020B0609020204030204" pitchFamily="49" charset="0"/>
+              </a:rPr>
+            </a:br>
+            <a:r>
+              <a:rPr lang="pt-BR" sz="1200" noProof="1">
+                <a:latin typeface="Consolas" panose="020B0609020204030204" pitchFamily="49" charset="0"/>
+              </a:rPr>
+              <a:t>}</a:t>
             </a:r>
           </a:p>
         </p:txBody>
@@ -13493,7 +13815,7 @@
                   </a:schemeClr>
                 </a:solidFill>
               </a:rPr>
-              <a:t>simplificação de código </a:t>
+              <a:t>simplificação </a:t>
             </a:r>
             <a:r>
               <a:rPr lang="pt-BR" dirty="0"/>
@@ -14164,7 +14486,7 @@
           <a:p>
             <a:r>
               <a:rPr lang="pt-BR" dirty="0"/>
-              <a:t>Uma </a:t>
+              <a:t>Outra </a:t>
             </a:r>
             <a:r>
               <a:rPr lang="pt-BR" dirty="0">
@@ -14174,18 +14496,22 @@
                   </a:schemeClr>
                 </a:solidFill>
               </a:rPr>
-              <a:t>simplificação suplementar </a:t>
+              <a:t>simplificação </a:t>
             </a:r>
             <a:r>
               <a:rPr lang="pt-BR" dirty="0"/>
-              <a:t>pode eliminar a função </a:t>
-            </a:r>
-            <a:r>
-              <a:rPr lang="pt-BR" dirty="0" err="1"/>
+              <a:t>pode eliminar </a:t>
+            </a:r>
+            <a:r>
+              <a:rPr lang="pt-BR" dirty="0" err="1">
+                <a:latin typeface="Consolas" panose="020B0609020204030204" pitchFamily="49" charset="0"/>
+              </a:rPr>
               <a:t>oper</a:t>
             </a:r>
             <a:r>
-              <a:rPr lang="pt-BR" dirty="0"/>
+              <a:rPr lang="pt-BR" dirty="0">
+                <a:latin typeface="Consolas" panose="020B0609020204030204" pitchFamily="49" charset="0"/>
+              </a:rPr>
               <a:t>()</a:t>
             </a:r>
           </a:p>
@@ -15800,6 +16126,26 @@
 </file>
 
 <file path=customXml/item1.xml><?xml version="1.0" encoding="utf-8"?>
+<p:properties xmlns:p="http://schemas.microsoft.com/office/2006/metadata/properties" xmlns:xsi="http://www.w3.org/2001/XMLSchema-instance" xmlns:pc="http://schemas.microsoft.com/office/infopath/2007/PartnerControls">
+  <documentManagement>
+    <VSO_x0020_item_x0020_id xmlns="40262f94-9f35-4ac3-9a90-690165a166b7" xsi:nil="true"/>
+    <Assetid_x0020_ xmlns="40262f94-9f35-4ac3-9a90-690165a166b7" xsi:nil="true"/>
+    <Item_x0020_Details xmlns="40262f94-9f35-4ac3-9a90-690165a166b7" xsi:nil="true"/>
+    <Template_x0020_details xmlns="40262f94-9f35-4ac3-9a90-690165a166b7" xsi:nil="true"/>
+  </documentManagement>
+</p:properties>
+</file>
+
+<file path=customXml/item2.xml><?xml version="1.0" encoding="utf-8"?>
+<?mso-contentType ?>
+<FormTemplates xmlns="http://schemas.microsoft.com/sharepoint/v3/contenttype/forms">
+  <Display>DocumentLibraryForm</Display>
+  <Edit>DocumentLibraryForm</Edit>
+  <New>DocumentLibraryForm</New>
+</FormTemplates>
+</file>
+
+<file path=customXml/item3.xml><?xml version="1.0" encoding="utf-8"?>
 <ct:contentTypeSchema xmlns:ct="http://schemas.microsoft.com/office/2006/metadata/contentType" xmlns:ma="http://schemas.microsoft.com/office/2006/metadata/properties/metaAttributes" ct:_="" ma:_="" ma:contentTypeName="Document" ma:contentTypeID="0x010100AA3F7D94069FF64A86F7DFF56D60E3BE" ma:contentTypeVersion="6" ma:contentTypeDescription="Create a new document." ma:contentTypeScope="" ma:versionID="c32302c77d4085ecf495bdddb7f5e889">
   <xsd:schema xmlns:xsd="http://www.w3.org/2001/XMLSchema" xmlns:xs="http://www.w3.org/2001/XMLSchema" xmlns:p="http://schemas.microsoft.com/office/2006/metadata/properties" xmlns:ns2="a4f35948-e619-41b3-aa29-22878b09cfd2" xmlns:ns3="40262f94-9f35-4ac3-9a90-690165a166b7" targetNamespace="http://schemas.microsoft.com/office/2006/metadata/properties" ma:root="true" ma:fieldsID="4ab5ae46be95f9d0be6107e8200be7a2" ns2:_="" ns3:_="">
     <xsd:import namespace="a4f35948-e619-41b3-aa29-22878b09cfd2"/>
@@ -15980,27 +16326,25 @@
 </ct:contentTypeSchema>
 </file>
 
-<file path=customXml/item2.xml><?xml version="1.0" encoding="utf-8"?>
-<?mso-contentType ?>
-<FormTemplates xmlns="http://schemas.microsoft.com/sharepoint/v3/contenttype/forms">
-  <Display>DocumentLibraryForm</Display>
-  <Edit>DocumentLibraryForm</Edit>
-  <New>DocumentLibraryForm</New>
-</FormTemplates>
+<file path=customXml/itemProps1.xml><?xml version="1.0" encoding="utf-8"?>
+<ds:datastoreItem xmlns:ds="http://schemas.openxmlformats.org/officeDocument/2006/customXml" ds:itemID="{045C5BB1-9D2C-412A-AE6C-0FC75190A4CE}">
+  <ds:schemaRefs>
+    <ds:schemaRef ds:uri="http://schemas.microsoft.com/office/2006/metadata/properties"/>
+    <ds:schemaRef ds:uri="http://schemas.microsoft.com/office/infopath/2007/PartnerControls"/>
+    <ds:schemaRef ds:uri="40262f94-9f35-4ac3-9a90-690165a166b7"/>
+  </ds:schemaRefs>
+</ds:datastoreItem>
 </file>
 
-<file path=customXml/item3.xml><?xml version="1.0" encoding="utf-8"?>
-<p:properties xmlns:p="http://schemas.microsoft.com/office/2006/metadata/properties" xmlns:xsi="http://www.w3.org/2001/XMLSchema-instance" xmlns:pc="http://schemas.microsoft.com/office/infopath/2007/PartnerControls">
-  <documentManagement>
-    <VSO_x0020_item_x0020_id xmlns="40262f94-9f35-4ac3-9a90-690165a166b7" xsi:nil="true"/>
-    <Assetid_x0020_ xmlns="40262f94-9f35-4ac3-9a90-690165a166b7" xsi:nil="true"/>
-    <Item_x0020_Details xmlns="40262f94-9f35-4ac3-9a90-690165a166b7" xsi:nil="true"/>
-    <Template_x0020_details xmlns="40262f94-9f35-4ac3-9a90-690165a166b7" xsi:nil="true"/>
-  </documentManagement>
-</p:properties>
+<file path=customXml/itemProps2.xml><?xml version="1.0" encoding="utf-8"?>
+<ds:datastoreItem xmlns:ds="http://schemas.openxmlformats.org/officeDocument/2006/customXml" ds:itemID="{2B6DE00F-F2BC-4082-AB87-D0D78777DE1E}">
+  <ds:schemaRefs>
+    <ds:schemaRef ds:uri="http://schemas.microsoft.com/sharepoint/v3/contenttype/forms"/>
+  </ds:schemaRefs>
+</ds:datastoreItem>
 </file>
 
-<file path=customXml/itemProps1.xml><?xml version="1.0" encoding="utf-8"?>
+<file path=customXml/itemProps3.xml><?xml version="1.0" encoding="utf-8"?>
 <ds:datastoreItem xmlns:ds="http://schemas.openxmlformats.org/officeDocument/2006/customXml" ds:itemID="{E6A2223A-9182-462D-922F-5606A5A90760}">
   <ds:schemaRefs>
     <ds:schemaRef ds:uri="http://schemas.microsoft.com/office/2006/metadata/contentType"/>
@@ -16017,22 +16361,4 @@
     <ds:schemaRef ds:uri="http://schemas.microsoft.com/internal/obd"/>
   </ds:schemaRefs>
 </ds:datastoreItem>
-</file>
-
-<file path=customXml/itemProps2.xml><?xml version="1.0" encoding="utf-8"?>
-<ds:datastoreItem xmlns:ds="http://schemas.openxmlformats.org/officeDocument/2006/customXml" ds:itemID="{2B6DE00F-F2BC-4082-AB87-D0D78777DE1E}">
-  <ds:schemaRefs>
-    <ds:schemaRef ds:uri="http://schemas.microsoft.com/sharepoint/v3/contenttype/forms"/>
-  </ds:schemaRefs>
-</ds:datastoreItem>
-</file>
-
-<file path=customXml/itemProps3.xml><?xml version="1.0" encoding="utf-8"?>
-<ds:datastoreItem xmlns:ds="http://schemas.openxmlformats.org/officeDocument/2006/customXml" ds:itemID="{045C5BB1-9D2C-412A-AE6C-0FC75190A4CE}">
-  <ds:schemaRefs>
-    <ds:schemaRef ds:uri="http://schemas.microsoft.com/office/2006/metadata/properties"/>
-    <ds:schemaRef ds:uri="http://schemas.microsoft.com/office/infopath/2007/PartnerControls"/>
-    <ds:schemaRef ds:uri="40262f94-9f35-4ac3-9a90-690165a166b7"/>
-  </ds:schemaRefs>
-</ds:datastoreItem>
 </file>